--- a/HomeGas24426_Documentation.pptx
+++ b/HomeGas24426_Documentation.pptx
@@ -8,7 +8,7 @@
     <p:notesMasterId r:id="rId5"/>
   </p:notesMasterIdLst>
   <p:handoutMasterIdLst>
-    <p:handoutMasterId r:id="rId15"/>
+    <p:handoutMasterId r:id="rId21"/>
   </p:handoutMasterIdLst>
   <p:sldIdLst>
     <p:sldId id="4525" r:id="rId3"/>
@@ -21,7 +21,13 @@
     <p:sldId id="8719" r:id="rId11"/>
     <p:sldId id="8714" r:id="rId12"/>
     <p:sldId id="8737" r:id="rId13"/>
-    <p:sldId id="8704" r:id="rId14"/>
+    <p:sldId id="8744" r:id="rId14"/>
+    <p:sldId id="8745" r:id="rId15"/>
+    <p:sldId id="8746" r:id="rId16"/>
+    <p:sldId id="8747" r:id="rId17"/>
+    <p:sldId id="8752" r:id="rId18"/>
+    <p:sldId id="8753" r:id="rId19"/>
+    <p:sldId id="8704" r:id="rId20"/>
   </p:sldIdLst>
   <p:sldSz cx="12192000" cy="6858000"/>
   <p:notesSz cx="6858000" cy="9144000"/>
@@ -9214,7 +9220,7 @@
                 <a:latin typeface="Times New Roman" panose="02020603050405020304" charset="0"/>
                 <a:cs typeface="Times New Roman" panose="02020603050405020304" charset="0"/>
               </a:rPr>
-              <a:t>The CRM application is implemented using the following technologies:</a:t>
+              <a:t>The Home Gas application is implemented using the following technologies:</a:t>
             </a:r>
             <a:endParaRPr lang="en-US" b="1">
               <a:latin typeface="Times New Roman" panose="02020603050405020304" charset="0"/>
@@ -9230,7 +9236,7 @@
                 <a:latin typeface="Times New Roman" panose="02020603050405020304" charset="0"/>
                 <a:cs typeface="Times New Roman" panose="02020603050405020304" charset="0"/>
               </a:rPr>
-              <a:t>• Java: The CRM application is written in Java. Java is a popular programming language that is used to develop a wide variety of applications.</a:t>
+              <a:t>• Java: The Home Gas application is written in Java. Java is a popular programming language that is used to develop a wide variety of applications.</a:t>
             </a:r>
             <a:endParaRPr lang="en-US">
               <a:latin typeface="Times New Roman" panose="02020603050405020304" charset="0"/>
@@ -9246,7 +9252,7 @@
                 <a:latin typeface="Times New Roman" panose="02020603050405020304" charset="0"/>
                 <a:cs typeface="Times New Roman" panose="02020603050405020304" charset="0"/>
               </a:rPr>
-              <a:t>• Spring Boot: The Spring Boot framework is used to develop and deploy the CRM application.</a:t>
+              <a:t>• Spring Boot: The Spring Boot framework is used to develop and deploy the Home Gas application.</a:t>
             </a:r>
             <a:endParaRPr lang="en-US">
               <a:latin typeface="Times New Roman" panose="02020603050405020304" charset="0"/>
@@ -9262,7 +9268,7 @@
                 <a:latin typeface="Times New Roman" panose="02020603050405020304" charset="0"/>
                 <a:cs typeface="Times New Roman" panose="02020603050405020304" charset="0"/>
               </a:rPr>
-              <a:t>• MySQL: The MySQL database is used to store the data for the CRM application by using XAMPP.</a:t>
+              <a:t>• MySQL: The MySQL database is used to store the data for the Home Gas application .</a:t>
             </a:r>
             <a:endParaRPr lang="en-US">
               <a:latin typeface="Times New Roman" panose="02020603050405020304" charset="0"/>
@@ -9294,7 +9300,7 @@
                 <a:latin typeface="Times New Roman" panose="02020603050405020304" charset="0"/>
                 <a:cs typeface="Times New Roman" panose="02020603050405020304" charset="0"/>
               </a:rPr>
-              <a:t>• Thymeleaf: The Thymeleaf template engine is used to render the HTML pages for the CRM application.</a:t>
+              <a:t>• Thymeleaf: The Thymeleaf template engine is used to render the HTML pages for the Home Gas application.</a:t>
             </a:r>
             <a:endParaRPr lang="en-US">
               <a:latin typeface="Times New Roman" panose="02020603050405020304" charset="0"/>
@@ -9310,7 +9316,7 @@
                 <a:latin typeface="Times New Roman" panose="02020603050405020304" charset="0"/>
                 <a:cs typeface="Times New Roman" panose="02020603050405020304" charset="0"/>
               </a:rPr>
-              <a:t>• Bootstrap: The Bootstrap CSS framework is used to style the HTML pages for the CRM application.</a:t>
+              <a:t>• Bootstrap: The Bootstrap CSS framework is used to style the HTML pages for the Home Gas application.</a:t>
             </a:r>
             <a:endParaRPr lang="en-US">
               <a:latin typeface="Times New Roman" panose="02020603050405020304" charset="0"/>
@@ -9328,7 +9334,7 @@
         <p:spPr>
           <a:xfrm>
             <a:off x="800100" y="952500"/>
-            <a:ext cx="5309235" cy="3784600"/>
+            <a:ext cx="5309235" cy="3538220"/>
           </a:xfrm>
           <a:prstGeom prst="rect">
             <a:avLst/>
@@ -9365,7 +9371,7 @@
                 <a:latin typeface="Times New Roman" panose="02020603050405020304" charset="0"/>
                 <a:cs typeface="Times New Roman" panose="02020603050405020304" charset="0"/>
               </a:rPr>
-              <a:t>libraries and frameworks are used in the CRM application:</a:t>
+              <a:t>libraries and frameworks are used in the Home Gas application:</a:t>
             </a:r>
             <a:endParaRPr lang="en-US" sz="1600">
               <a:latin typeface="Times New Roman" panose="02020603050405020304" charset="0"/>
@@ -9378,20 +9384,7 @@
                 <a:latin typeface="Times New Roman" panose="02020603050405020304" charset="0"/>
                 <a:cs typeface="Times New Roman" panose="02020603050405020304" charset="0"/>
               </a:rPr>
-              <a:t>•Spring Boot: The Spring Boot framework is used to develop and deploy the CRM </a:t>
-            </a:r>
-            <a:endParaRPr lang="en-US" sz="1600">
-              <a:latin typeface="Times New Roman" panose="02020603050405020304" charset="0"/>
-              <a:cs typeface="Times New Roman" panose="02020603050405020304" charset="0"/>
-            </a:endParaRPr>
-          </a:p>
-          <a:p>
-            <a:r>
-              <a:rPr lang="en-US" sz="1600">
-                <a:latin typeface="Times New Roman" panose="02020603050405020304" charset="0"/>
-                <a:cs typeface="Times New Roman" panose="02020603050405020304" charset="0"/>
-              </a:rPr>
-              <a:t>application.</a:t>
+              <a:t>•Spring Boot: The Spring Boot framework is used to develop and deploy the Home Gasapplication.</a:t>
             </a:r>
             <a:endParaRPr lang="en-US" sz="1600">
               <a:latin typeface="Times New Roman" panose="02020603050405020304" charset="0"/>
@@ -9469,7 +9462,7 @@
                 <a:latin typeface="Times New Roman" panose="02020603050405020304" charset="0"/>
                 <a:cs typeface="Times New Roman" panose="02020603050405020304" charset="0"/>
               </a:rPr>
-              <a:t>CRM application</a:t>
+              <a:t>Home Gas application</a:t>
             </a:r>
             <a:endParaRPr lang="en-US" sz="1600">
               <a:latin typeface="Times New Roman" panose="02020603050405020304" charset="0"/>
@@ -9487,6 +9480,423 @@
 </file>
 
 <file path=ppt/slides/slide11.xml><?xml version="1.0" encoding="utf-8"?>
+<p:sld xmlns:a="http://schemas.openxmlformats.org/drawingml/2006/main" xmlns:r="http://schemas.openxmlformats.org/officeDocument/2006/relationships" xmlns:p="http://schemas.openxmlformats.org/presentationml/2006/main">
+  <p:cSld>
+    <p:spTree>
+      <p:nvGrpSpPr>
+        <p:cNvPr id="1" name=""/>
+        <p:cNvGrpSpPr/>
+        <p:nvPr/>
+      </p:nvGrpSpPr>
+      <p:grpSpPr/>
+      <p:sp>
+        <p:nvSpPr>
+          <p:cNvPr id="2" name="Title 1"/>
+          <p:cNvSpPr>
+            <a:spLocks noGrp="1"/>
+          </p:cNvSpPr>
+          <p:nvPr>
+            <p:ph type="title"/>
+          </p:nvPr>
+        </p:nvSpPr>
+        <p:spPr/>
+        <p:txBody>
+          <a:bodyPr>
+            <a:normAutofit fontScale="90000"/>
+          </a:bodyPr>
+          <a:p>
+            <a:pPr algn="ctr"/>
+            <a:r>
+              <a:rPr lang="en-US"/>
+              <a:t>Home Page</a:t>
+            </a:r>
+            <a:endParaRPr lang="en-US"/>
+          </a:p>
+        </p:txBody>
+      </p:sp>
+      <p:pic>
+        <p:nvPicPr>
+          <p:cNvPr id="5" name="Picture Placeholder 4" descr="home"/>
+          <p:cNvPicPr>
+            <a:picLocks noChangeAspect="1"/>
+          </p:cNvPicPr>
+          <p:nvPr>
+            <p:ph type="pic" idx="1"/>
+          </p:nvPr>
+        </p:nvPicPr>
+        <p:blipFill>
+          <a:blip r:embed="rId1"/>
+          <a:stretch>
+            <a:fillRect/>
+          </a:stretch>
+        </p:blipFill>
+        <p:spPr>
+          <a:xfrm>
+            <a:off x="669925" y="2110105"/>
+            <a:ext cx="9975215" cy="4340860"/>
+          </a:xfrm>
+          <a:prstGeom prst="rect">
+            <a:avLst/>
+          </a:prstGeom>
+        </p:spPr>
+      </p:pic>
+    </p:spTree>
+  </p:cSld>
+  <p:clrMapOvr>
+    <a:masterClrMapping/>
+  </p:clrMapOvr>
+</p:sld>
+</file>
+
+<file path=ppt/slides/slide12.xml><?xml version="1.0" encoding="utf-8"?>
+<p:sld xmlns:a="http://schemas.openxmlformats.org/drawingml/2006/main" xmlns:r="http://schemas.openxmlformats.org/officeDocument/2006/relationships" xmlns:p="http://schemas.openxmlformats.org/presentationml/2006/main">
+  <p:cSld>
+    <p:spTree>
+      <p:nvGrpSpPr>
+        <p:cNvPr id="1" name=""/>
+        <p:cNvGrpSpPr/>
+        <p:nvPr/>
+      </p:nvGrpSpPr>
+      <p:grpSpPr/>
+      <p:sp>
+        <p:nvSpPr>
+          <p:cNvPr id="2" name="Title 1"/>
+          <p:cNvSpPr>
+            <a:spLocks noGrp="1"/>
+          </p:cNvSpPr>
+          <p:nvPr>
+            <p:ph type="title"/>
+          </p:nvPr>
+        </p:nvSpPr>
+        <p:spPr/>
+        <p:txBody>
+          <a:bodyPr>
+            <a:normAutofit fontScale="90000"/>
+          </a:bodyPr>
+          <a:p>
+            <a:r>
+              <a:rPr lang="en-US"/>
+              <a:t>Login Page</a:t>
+            </a:r>
+            <a:br>
+              <a:rPr lang="en-US"/>
+            </a:br>
+            <a:endParaRPr lang="en-US"/>
+          </a:p>
+        </p:txBody>
+      </p:sp>
+      <p:pic>
+        <p:nvPicPr>
+          <p:cNvPr id="5" name="Picture Placeholder 4" descr="logins"/>
+          <p:cNvPicPr>
+            <a:picLocks noChangeAspect="1"/>
+          </p:cNvPicPr>
+          <p:nvPr>
+            <p:ph type="pic" idx="1"/>
+          </p:nvPr>
+        </p:nvPicPr>
+        <p:blipFill>
+          <a:blip r:embed="rId1"/>
+          <a:stretch>
+            <a:fillRect/>
+          </a:stretch>
+        </p:blipFill>
+        <p:spPr>
+          <a:xfrm>
+            <a:off x="669925" y="1588770"/>
+            <a:ext cx="9949815" cy="4755515"/>
+          </a:xfrm>
+          <a:prstGeom prst="rect">
+            <a:avLst/>
+          </a:prstGeom>
+        </p:spPr>
+      </p:pic>
+    </p:spTree>
+  </p:cSld>
+  <p:clrMapOvr>
+    <a:masterClrMapping/>
+  </p:clrMapOvr>
+</p:sld>
+</file>
+
+<file path=ppt/slides/slide13.xml><?xml version="1.0" encoding="utf-8"?>
+<p:sld xmlns:a="http://schemas.openxmlformats.org/drawingml/2006/main" xmlns:r="http://schemas.openxmlformats.org/officeDocument/2006/relationships" xmlns:p="http://schemas.openxmlformats.org/presentationml/2006/main">
+  <p:cSld>
+    <p:spTree>
+      <p:nvGrpSpPr>
+        <p:cNvPr id="1" name=""/>
+        <p:cNvGrpSpPr/>
+        <p:nvPr/>
+      </p:nvGrpSpPr>
+      <p:grpSpPr/>
+      <p:sp>
+        <p:nvSpPr>
+          <p:cNvPr id="2" name="Title 1"/>
+          <p:cNvSpPr>
+            <a:spLocks noGrp="1"/>
+          </p:cNvSpPr>
+          <p:nvPr>
+            <p:ph type="title"/>
+          </p:nvPr>
+        </p:nvSpPr>
+        <p:spPr/>
+        <p:txBody>
+          <a:bodyPr>
+            <a:normAutofit fontScale="90000"/>
+          </a:bodyPr>
+          <a:p>
+            <a:r>
+              <a:rPr lang="en-US"/>
+              <a:t>Registration Form</a:t>
+            </a:r>
+            <a:endParaRPr lang="en-US"/>
+          </a:p>
+        </p:txBody>
+      </p:sp>
+      <p:pic>
+        <p:nvPicPr>
+          <p:cNvPr id="5" name="Picture Placeholder 4" descr="reg"/>
+          <p:cNvPicPr>
+            <a:picLocks noChangeAspect="1"/>
+          </p:cNvPicPr>
+          <p:nvPr>
+            <p:ph type="pic" idx="1"/>
+          </p:nvPr>
+        </p:nvPicPr>
+        <p:blipFill>
+          <a:blip r:embed="rId1"/>
+          <a:stretch>
+            <a:fillRect/>
+          </a:stretch>
+        </p:blipFill>
+        <p:spPr>
+          <a:xfrm>
+            <a:off x="669925" y="1831975"/>
+            <a:ext cx="9565005" cy="4897120"/>
+          </a:xfrm>
+          <a:prstGeom prst="rect">
+            <a:avLst/>
+          </a:prstGeom>
+        </p:spPr>
+      </p:pic>
+    </p:spTree>
+  </p:cSld>
+  <p:clrMapOvr>
+    <a:masterClrMapping/>
+  </p:clrMapOvr>
+</p:sld>
+</file>
+
+<file path=ppt/slides/slide14.xml><?xml version="1.0" encoding="utf-8"?>
+<p:sld xmlns:a="http://schemas.openxmlformats.org/drawingml/2006/main" xmlns:r="http://schemas.openxmlformats.org/officeDocument/2006/relationships" xmlns:p="http://schemas.openxmlformats.org/presentationml/2006/main">
+  <p:cSld>
+    <p:spTree>
+      <p:nvGrpSpPr>
+        <p:cNvPr id="1" name=""/>
+        <p:cNvGrpSpPr/>
+        <p:nvPr/>
+      </p:nvGrpSpPr>
+      <p:grpSpPr/>
+      <p:sp>
+        <p:nvSpPr>
+          <p:cNvPr id="2" name="Title 1"/>
+          <p:cNvSpPr>
+            <a:spLocks noGrp="1"/>
+          </p:cNvSpPr>
+          <p:nvPr>
+            <p:ph type="title"/>
+          </p:nvPr>
+        </p:nvSpPr>
+        <p:spPr/>
+        <p:txBody>
+          <a:bodyPr>
+            <a:normAutofit fontScale="90000"/>
+          </a:bodyPr>
+          <a:p>
+            <a:r>
+              <a:rPr lang="en-US"/>
+              <a:t>DashBoard</a:t>
+            </a:r>
+            <a:br>
+              <a:rPr lang="en-US"/>
+            </a:br>
+            <a:endParaRPr lang="en-US"/>
+          </a:p>
+        </p:txBody>
+      </p:sp>
+      <p:pic>
+        <p:nvPicPr>
+          <p:cNvPr id="5" name="Picture Placeholder 4" descr="dash"/>
+          <p:cNvPicPr>
+            <a:picLocks noChangeAspect="1"/>
+          </p:cNvPicPr>
+          <p:nvPr>
+            <p:ph type="pic" idx="1"/>
+          </p:nvPr>
+        </p:nvPicPr>
+        <p:blipFill>
+          <a:blip r:embed="rId1"/>
+          <a:stretch>
+            <a:fillRect/>
+          </a:stretch>
+        </p:blipFill>
+        <p:spPr>
+          <a:xfrm>
+            <a:off x="669925" y="2145030"/>
+            <a:ext cx="9142095" cy="4321810"/>
+          </a:xfrm>
+          <a:prstGeom prst="rect">
+            <a:avLst/>
+          </a:prstGeom>
+        </p:spPr>
+      </p:pic>
+    </p:spTree>
+  </p:cSld>
+  <p:clrMapOvr>
+    <a:masterClrMapping/>
+  </p:clrMapOvr>
+</p:sld>
+</file>
+
+<file path=ppt/slides/slide15.xml><?xml version="1.0" encoding="utf-8"?>
+<p:sld xmlns:a="http://schemas.openxmlformats.org/drawingml/2006/main" xmlns:r="http://schemas.openxmlformats.org/officeDocument/2006/relationships" xmlns:p="http://schemas.openxmlformats.org/presentationml/2006/main">
+  <p:cSld>
+    <p:spTree>
+      <p:nvGrpSpPr>
+        <p:cNvPr id="1" name=""/>
+        <p:cNvGrpSpPr/>
+        <p:nvPr/>
+      </p:nvGrpSpPr>
+      <p:grpSpPr/>
+      <p:sp>
+        <p:nvSpPr>
+          <p:cNvPr id="2" name="Title 1"/>
+          <p:cNvSpPr>
+            <a:spLocks noGrp="1"/>
+          </p:cNvSpPr>
+          <p:nvPr>
+            <p:ph type="title"/>
+          </p:nvPr>
+        </p:nvSpPr>
+        <p:spPr/>
+        <p:txBody>
+          <a:bodyPr>
+            <a:normAutofit fontScale="90000"/>
+          </a:bodyPr>
+          <a:p>
+            <a:pPr algn="ctr"/>
+            <a:r>
+              <a:rPr lang="en-US"/>
+              <a:t>Customer order form</a:t>
+            </a:r>
+            <a:endParaRPr lang="en-US"/>
+          </a:p>
+        </p:txBody>
+      </p:sp>
+      <p:pic>
+        <p:nvPicPr>
+          <p:cNvPr id="5" name="Picture Placeholder 4" descr="order"/>
+          <p:cNvPicPr>
+            <a:picLocks noChangeAspect="1"/>
+          </p:cNvPicPr>
+          <p:nvPr>
+            <p:ph type="pic" idx="1"/>
+          </p:nvPr>
+        </p:nvPicPr>
+        <p:blipFill>
+          <a:blip r:embed="rId1"/>
+          <a:stretch>
+            <a:fillRect/>
+          </a:stretch>
+        </p:blipFill>
+        <p:spPr>
+          <a:xfrm>
+            <a:off x="669925" y="1466850"/>
+            <a:ext cx="11001375" cy="4986655"/>
+          </a:xfrm>
+          <a:prstGeom prst="rect">
+            <a:avLst/>
+          </a:prstGeom>
+        </p:spPr>
+      </p:pic>
+    </p:spTree>
+  </p:cSld>
+  <p:clrMapOvr>
+    <a:masterClrMapping/>
+  </p:clrMapOvr>
+</p:sld>
+</file>
+
+<file path=ppt/slides/slide16.xml><?xml version="1.0" encoding="utf-8"?>
+<p:sld xmlns:a="http://schemas.openxmlformats.org/drawingml/2006/main" xmlns:r="http://schemas.openxmlformats.org/officeDocument/2006/relationships" xmlns:p="http://schemas.openxmlformats.org/presentationml/2006/main">
+  <p:cSld>
+    <p:spTree>
+      <p:nvGrpSpPr>
+        <p:cNvPr id="1" name=""/>
+        <p:cNvGrpSpPr/>
+        <p:nvPr/>
+      </p:nvGrpSpPr>
+      <p:grpSpPr/>
+      <p:sp>
+        <p:nvSpPr>
+          <p:cNvPr id="2" name="Title 1"/>
+          <p:cNvSpPr>
+            <a:spLocks noGrp="1"/>
+          </p:cNvSpPr>
+          <p:nvPr>
+            <p:ph type="title"/>
+          </p:nvPr>
+        </p:nvSpPr>
+        <p:spPr/>
+        <p:txBody>
+          <a:bodyPr>
+            <a:normAutofit fontScale="90000"/>
+          </a:bodyPr>
+          <a:p>
+            <a:pPr algn="ctr"/>
+            <a:r>
+              <a:rPr lang="en-US"/>
+              <a:t>Tables</a:t>
+            </a:r>
+            <a:endParaRPr lang="en-US"/>
+          </a:p>
+        </p:txBody>
+      </p:sp>
+      <p:pic>
+        <p:nvPicPr>
+          <p:cNvPr id="5" name="Picture Placeholder 4" descr="list"/>
+          <p:cNvPicPr>
+            <a:picLocks noChangeAspect="1"/>
+          </p:cNvPicPr>
+          <p:nvPr>
+            <p:ph type="pic" idx="1"/>
+          </p:nvPr>
+        </p:nvPicPr>
+        <p:blipFill>
+          <a:blip r:embed="rId1"/>
+          <a:stretch>
+            <a:fillRect/>
+          </a:stretch>
+        </p:blipFill>
+        <p:spPr>
+          <a:xfrm>
+            <a:off x="669925" y="1347470"/>
+            <a:ext cx="9923780" cy="4867275"/>
+          </a:xfrm>
+          <a:prstGeom prst="rect">
+            <a:avLst/>
+          </a:prstGeom>
+        </p:spPr>
+      </p:pic>
+    </p:spTree>
+  </p:cSld>
+  <p:clrMapOvr>
+    <a:masterClrMapping/>
+  </p:clrMapOvr>
+</p:sld>
+</file>
+
+<file path=ppt/slides/slide17.xml><?xml version="1.0" encoding="utf-8"?>
 <p:sld xmlns:a="http://schemas.openxmlformats.org/drawingml/2006/main" xmlns:r="http://schemas.openxmlformats.org/officeDocument/2006/relationships" xmlns:p="http://schemas.openxmlformats.org/presentationml/2006/main">
   <p:cSld>
     <p:spTree>
